--- a/MYSQL PPT/15. SQL Transaction.pptx
+++ b/MYSQL PPT/15. SQL Transaction.pptx
@@ -11,10 +11,6 @@
     <p:sldId id="266" r:id="rId5"/>
     <p:sldId id="267" r:id="rId6"/>
     <p:sldId id="268" r:id="rId7"/>
-    <p:sldId id="269" r:id="rId8"/>
-    <p:sldId id="270" r:id="rId9"/>
-    <p:sldId id="271" r:id="rId10"/>
-    <p:sldId id="272" r:id="rId11"/>
   </p:sldIdLst>
   <p:sldSz cx="12192000" cy="6858000"/>
   <p:notesSz cx="6858000" cy="9144000"/>
@@ -3384,42 +3380,6 @@
 </p:sld>
 </file>
 
-<file path=ppt/slides/slide10.xml><?xml version="1.0" encoding="utf-8"?>
-<p:sld xmlns:a="http://schemas.openxmlformats.org/drawingml/2006/main" xmlns:r="http://schemas.openxmlformats.org/officeDocument/2006/relationships" xmlns:p="http://schemas.openxmlformats.org/presentationml/2006/main">
-  <p:cSld>
-    <p:spTree>
-      <p:nvGrpSpPr>
-        <p:cNvPr id="1" name="">
-          <a:extLst>
-            <a:ext uri="{FF2B5EF4-FFF2-40B4-BE49-F238E27FC236}">
-              <a16:creationId xmlns:a16="http://schemas.microsoft.com/office/drawing/2014/main" id="{8EAB2436-D92D-95A0-A30E-89094792D935}"/>
-            </a:ext>
-          </a:extLst>
-        </p:cNvPr>
-        <p:cNvGrpSpPr/>
-        <p:nvPr/>
-      </p:nvGrpSpPr>
-      <p:grpSpPr>
-        <a:xfrm>
-          <a:off x="0" y="0"/>
-          <a:ext cx="0" cy="0"/>
-          <a:chOff x="0" y="0"/>
-          <a:chExt cx="0" cy="0"/>
-        </a:xfrm>
-      </p:grpSpPr>
-    </p:spTree>
-    <p:extLst>
-      <p:ext uri="{BB962C8B-B14F-4D97-AF65-F5344CB8AC3E}">
-        <p14:creationId xmlns:p14="http://schemas.microsoft.com/office/powerpoint/2010/main" val="986821805"/>
-      </p:ext>
-    </p:extLst>
-  </p:cSld>
-  <p:clrMapOvr>
-    <a:masterClrMapping/>
-  </p:clrMapOvr>
-</p:sld>
-</file>
-
 <file path=ppt/slides/slide2.xml><?xml version="1.0" encoding="utf-8"?>
 <p:sld xmlns:a="http://schemas.openxmlformats.org/drawingml/2006/main" xmlns:r="http://schemas.openxmlformats.org/officeDocument/2006/relationships" xmlns:p="http://schemas.openxmlformats.org/presentationml/2006/main">
   <p:cSld>
@@ -3741,114 +3701,6 @@
     <p:extLst>
       <p:ext uri="{BB962C8B-B14F-4D97-AF65-F5344CB8AC3E}">
         <p14:creationId xmlns:p14="http://schemas.microsoft.com/office/powerpoint/2010/main" val="2351728693"/>
-      </p:ext>
-    </p:extLst>
-  </p:cSld>
-  <p:clrMapOvr>
-    <a:masterClrMapping/>
-  </p:clrMapOvr>
-</p:sld>
-</file>
-
-<file path=ppt/slides/slide7.xml><?xml version="1.0" encoding="utf-8"?>
-<p:sld xmlns:a="http://schemas.openxmlformats.org/drawingml/2006/main" xmlns:r="http://schemas.openxmlformats.org/officeDocument/2006/relationships" xmlns:p="http://schemas.openxmlformats.org/presentationml/2006/main">
-  <p:cSld>
-    <p:spTree>
-      <p:nvGrpSpPr>
-        <p:cNvPr id="1" name="">
-          <a:extLst>
-            <a:ext uri="{FF2B5EF4-FFF2-40B4-BE49-F238E27FC236}">
-              <a16:creationId xmlns:a16="http://schemas.microsoft.com/office/drawing/2014/main" id="{9364E90E-37D8-7D72-D0A6-17C8E2FCFD43}"/>
-            </a:ext>
-          </a:extLst>
-        </p:cNvPr>
-        <p:cNvGrpSpPr/>
-        <p:nvPr/>
-      </p:nvGrpSpPr>
-      <p:grpSpPr>
-        <a:xfrm>
-          <a:off x="0" y="0"/>
-          <a:ext cx="0" cy="0"/>
-          <a:chOff x="0" y="0"/>
-          <a:chExt cx="0" cy="0"/>
-        </a:xfrm>
-      </p:grpSpPr>
-    </p:spTree>
-    <p:extLst>
-      <p:ext uri="{BB962C8B-B14F-4D97-AF65-F5344CB8AC3E}">
-        <p14:creationId xmlns:p14="http://schemas.microsoft.com/office/powerpoint/2010/main" val="4045017533"/>
-      </p:ext>
-    </p:extLst>
-  </p:cSld>
-  <p:clrMapOvr>
-    <a:masterClrMapping/>
-  </p:clrMapOvr>
-</p:sld>
-</file>
-
-<file path=ppt/slides/slide8.xml><?xml version="1.0" encoding="utf-8"?>
-<p:sld xmlns:a="http://schemas.openxmlformats.org/drawingml/2006/main" xmlns:r="http://schemas.openxmlformats.org/officeDocument/2006/relationships" xmlns:p="http://schemas.openxmlformats.org/presentationml/2006/main">
-  <p:cSld>
-    <p:spTree>
-      <p:nvGrpSpPr>
-        <p:cNvPr id="1" name="">
-          <a:extLst>
-            <a:ext uri="{FF2B5EF4-FFF2-40B4-BE49-F238E27FC236}">
-              <a16:creationId xmlns:a16="http://schemas.microsoft.com/office/drawing/2014/main" id="{C2D0C50F-04C7-B398-194C-EF8ED67C8783}"/>
-            </a:ext>
-          </a:extLst>
-        </p:cNvPr>
-        <p:cNvGrpSpPr/>
-        <p:nvPr/>
-      </p:nvGrpSpPr>
-      <p:grpSpPr>
-        <a:xfrm>
-          <a:off x="0" y="0"/>
-          <a:ext cx="0" cy="0"/>
-          <a:chOff x="0" y="0"/>
-          <a:chExt cx="0" cy="0"/>
-        </a:xfrm>
-      </p:grpSpPr>
-    </p:spTree>
-    <p:extLst>
-      <p:ext uri="{BB962C8B-B14F-4D97-AF65-F5344CB8AC3E}">
-        <p14:creationId xmlns:p14="http://schemas.microsoft.com/office/powerpoint/2010/main" val="684061742"/>
-      </p:ext>
-    </p:extLst>
-  </p:cSld>
-  <p:clrMapOvr>
-    <a:masterClrMapping/>
-  </p:clrMapOvr>
-</p:sld>
-</file>
-
-<file path=ppt/slides/slide9.xml><?xml version="1.0" encoding="utf-8"?>
-<p:sld xmlns:a="http://schemas.openxmlformats.org/drawingml/2006/main" xmlns:r="http://schemas.openxmlformats.org/officeDocument/2006/relationships" xmlns:p="http://schemas.openxmlformats.org/presentationml/2006/main">
-  <p:cSld>
-    <p:spTree>
-      <p:nvGrpSpPr>
-        <p:cNvPr id="1" name="">
-          <a:extLst>
-            <a:ext uri="{FF2B5EF4-FFF2-40B4-BE49-F238E27FC236}">
-              <a16:creationId xmlns:a16="http://schemas.microsoft.com/office/drawing/2014/main" id="{46518BD9-4DDB-B3AA-86FC-9B9B1F82ADEB}"/>
-            </a:ext>
-          </a:extLst>
-        </p:cNvPr>
-        <p:cNvGrpSpPr/>
-        <p:nvPr/>
-      </p:nvGrpSpPr>
-      <p:grpSpPr>
-        <a:xfrm>
-          <a:off x="0" y="0"/>
-          <a:ext cx="0" cy="0"/>
-          <a:chOff x="0" y="0"/>
-          <a:chExt cx="0" cy="0"/>
-        </a:xfrm>
-      </p:grpSpPr>
-    </p:spTree>
-    <p:extLst>
-      <p:ext uri="{BB962C8B-B14F-4D97-AF65-F5344CB8AC3E}">
-        <p14:creationId xmlns:p14="http://schemas.microsoft.com/office/powerpoint/2010/main" val="1058920747"/>
       </p:ext>
     </p:extLst>
   </p:cSld>
